--- a/HTML(전체)/5월 11일 폴더/3강 과제 제출(손영식).pptx
+++ b/HTML(전체)/5월 11일 폴더/3강 과제 제출(손영식).pptx
@@ -263,7 +263,7 @@
           <a:p>
             <a:fld id="{428EE891-A21A-4EED-B42B-B99D1C950FC1}" type="datetimeFigureOut">
               <a:rPr lang="ko-KR" altLang="en-US" smtClean="0"/>
-              <a:t>2022-05-11</a:t>
+              <a:t>2022-05-12</a:t>
             </a:fld>
             <a:endParaRPr lang="ko-KR" altLang="en-US"/>
           </a:p>
@@ -433,7 +433,7 @@
           <a:p>
             <a:fld id="{428EE891-A21A-4EED-B42B-B99D1C950FC1}" type="datetimeFigureOut">
               <a:rPr lang="ko-KR" altLang="en-US" smtClean="0"/>
-              <a:t>2022-05-11</a:t>
+              <a:t>2022-05-12</a:t>
             </a:fld>
             <a:endParaRPr lang="ko-KR" altLang="en-US"/>
           </a:p>
@@ -613,7 +613,7 @@
           <a:p>
             <a:fld id="{428EE891-A21A-4EED-B42B-B99D1C950FC1}" type="datetimeFigureOut">
               <a:rPr lang="ko-KR" altLang="en-US" smtClean="0"/>
-              <a:t>2022-05-11</a:t>
+              <a:t>2022-05-12</a:t>
             </a:fld>
             <a:endParaRPr lang="ko-KR" altLang="en-US"/>
           </a:p>
@@ -783,7 +783,7 @@
           <a:p>
             <a:fld id="{428EE891-A21A-4EED-B42B-B99D1C950FC1}" type="datetimeFigureOut">
               <a:rPr lang="ko-KR" altLang="en-US" smtClean="0"/>
-              <a:t>2022-05-11</a:t>
+              <a:t>2022-05-12</a:t>
             </a:fld>
             <a:endParaRPr lang="ko-KR" altLang="en-US"/>
           </a:p>
@@ -1029,7 +1029,7 @@
           <a:p>
             <a:fld id="{428EE891-A21A-4EED-B42B-B99D1C950FC1}" type="datetimeFigureOut">
               <a:rPr lang="ko-KR" altLang="en-US" smtClean="0"/>
-              <a:t>2022-05-11</a:t>
+              <a:t>2022-05-12</a:t>
             </a:fld>
             <a:endParaRPr lang="ko-KR" altLang="en-US"/>
           </a:p>
@@ -1261,7 +1261,7 @@
           <a:p>
             <a:fld id="{428EE891-A21A-4EED-B42B-B99D1C950FC1}" type="datetimeFigureOut">
               <a:rPr lang="ko-KR" altLang="en-US" smtClean="0"/>
-              <a:t>2022-05-11</a:t>
+              <a:t>2022-05-12</a:t>
             </a:fld>
             <a:endParaRPr lang="ko-KR" altLang="en-US"/>
           </a:p>
@@ -1628,7 +1628,7 @@
           <a:p>
             <a:fld id="{428EE891-A21A-4EED-B42B-B99D1C950FC1}" type="datetimeFigureOut">
               <a:rPr lang="ko-KR" altLang="en-US" smtClean="0"/>
-              <a:t>2022-05-11</a:t>
+              <a:t>2022-05-12</a:t>
             </a:fld>
             <a:endParaRPr lang="ko-KR" altLang="en-US"/>
           </a:p>
@@ -1746,7 +1746,7 @@
           <a:p>
             <a:fld id="{428EE891-A21A-4EED-B42B-B99D1C950FC1}" type="datetimeFigureOut">
               <a:rPr lang="ko-KR" altLang="en-US" smtClean="0"/>
-              <a:t>2022-05-11</a:t>
+              <a:t>2022-05-12</a:t>
             </a:fld>
             <a:endParaRPr lang="ko-KR" altLang="en-US"/>
           </a:p>
@@ -1841,7 +1841,7 @@
           <a:p>
             <a:fld id="{428EE891-A21A-4EED-B42B-B99D1C950FC1}" type="datetimeFigureOut">
               <a:rPr lang="ko-KR" altLang="en-US" smtClean="0"/>
-              <a:t>2022-05-11</a:t>
+              <a:t>2022-05-12</a:t>
             </a:fld>
             <a:endParaRPr lang="ko-KR" altLang="en-US"/>
           </a:p>
@@ -2118,7 +2118,7 @@
           <a:p>
             <a:fld id="{428EE891-A21A-4EED-B42B-B99D1C950FC1}" type="datetimeFigureOut">
               <a:rPr lang="ko-KR" altLang="en-US" smtClean="0"/>
-              <a:t>2022-05-11</a:t>
+              <a:t>2022-05-12</a:t>
             </a:fld>
             <a:endParaRPr lang="ko-KR" altLang="en-US"/>
           </a:p>
@@ -2371,7 +2371,7 @@
           <a:p>
             <a:fld id="{428EE891-A21A-4EED-B42B-B99D1C950FC1}" type="datetimeFigureOut">
               <a:rPr lang="ko-KR" altLang="en-US" smtClean="0"/>
-              <a:t>2022-05-11</a:t>
+              <a:t>2022-05-12</a:t>
             </a:fld>
             <a:endParaRPr lang="ko-KR" altLang="en-US"/>
           </a:p>
@@ -2584,7 +2584,7 @@
           <a:p>
             <a:fld id="{428EE891-A21A-4EED-B42B-B99D1C950FC1}" type="datetimeFigureOut">
               <a:rPr lang="ko-KR" altLang="en-US" smtClean="0"/>
-              <a:t>2022-05-11</a:t>
+              <a:t>2022-05-12</a:t>
             </a:fld>
             <a:endParaRPr lang="ko-KR" altLang="en-US"/>
           </a:p>
@@ -3497,7 +3497,6 @@
               <a:rPr lang="ko-KR" altLang="en-US" b="1" dirty="0"/>
               <a:t>세피아</a:t>
             </a:r>
-            <a:endParaRPr lang="ko-KR" altLang="en-US" b="1" dirty="0"/>
           </a:p>
         </p:txBody>
       </p:sp>
@@ -3824,7 +3823,6 @@
               <a:rPr lang="ko-KR" altLang="en-US" b="1" dirty="0"/>
               <a:t>세피아</a:t>
             </a:r>
-            <a:endParaRPr lang="ko-KR" altLang="en-US" b="1" dirty="0"/>
           </a:p>
         </p:txBody>
       </p:sp>
@@ -5930,31 +5928,31 @@
           <a:p>
             <a:r>
               <a:rPr lang="en-US" altLang="ko-KR" b="1" dirty="0"/>
-              <a:t>margin</a:t>
+              <a:t>height</a:t>
             </a:r>
           </a:p>
           <a:p>
             <a:r>
               <a:rPr lang="en-US" altLang="ko-KR" b="1" dirty="0"/>
-              <a:t>margin-top</a:t>
+              <a:t>line-height</a:t>
             </a:r>
           </a:p>
           <a:p>
             <a:r>
               <a:rPr lang="en-US" altLang="ko-KR" b="1" dirty="0"/>
-              <a:t>margin-left</a:t>
+              <a:t>max-height</a:t>
             </a:r>
           </a:p>
           <a:p>
             <a:r>
               <a:rPr lang="en-US" altLang="ko-KR" b="1" dirty="0"/>
-              <a:t>margin-right</a:t>
+              <a:t>min-height</a:t>
             </a:r>
           </a:p>
           <a:p>
             <a:r>
               <a:rPr lang="en-US" altLang="ko-KR" b="1" dirty="0"/>
-              <a:t>margin-bottom</a:t>
+              <a:t>width</a:t>
             </a:r>
             <a:endParaRPr lang="ko-KR" altLang="en-US" b="1" dirty="0"/>
           </a:p>
@@ -6619,11 +6617,7 @@
             </a:r>
             <a:r>
               <a:rPr lang="ko-KR" altLang="en-US" b="1" dirty="0" smtClean="0"/>
-              <a:t> 하고 </a:t>
-            </a:r>
-            <a:r>
-              <a:rPr lang="ko-KR" altLang="en-US" b="1" dirty="0" smtClean="0"/>
-              <a:t>다시 해보기</a:t>
+              <a:t> 하고 다시 해보기</a:t>
             </a:r>
             <a:endParaRPr lang="ko-KR" altLang="en-US" b="1" dirty="0"/>
           </a:p>
